--- a/CS421/421-Project-Presentation-David-Tran.pptx
+++ b/CS421/421-Project-Presentation-David-Tran.pptx
@@ -117,6 +117,11 @@
       </a:defRPr>
     </a:lvl9pPr>
   </p:defaultTextStyle>
+  <p:extLst>
+    <p:ext uri="{EFAFB233-063F-42B5-8137-9DF3F51BA10A}">
+      <p15:sldGuideLst xmlns:p15="http://schemas.microsoft.com/office/powerpoint/2012/main"/>
+    </p:ext>
+  </p:extLst>
 </p:presentation>
 </file>
 
@@ -267,7 +272,7 @@
           <a:p>
             <a:fld id="{0FD1F337-8F96-4DC4-A17C-29360C0B951A}" type="datetimeFigureOut">
               <a:rPr lang="en-US" smtClean="0"/>
-              <a:t>8/2/2021</a:t>
+              <a:t>8/3/2021</a:t>
             </a:fld>
             <a:endParaRPr lang="en-US"/>
           </a:p>
@@ -465,7 +470,7 @@
           <a:p>
             <a:fld id="{0FD1F337-8F96-4DC4-A17C-29360C0B951A}" type="datetimeFigureOut">
               <a:rPr lang="en-US" smtClean="0"/>
-              <a:t>8/2/2021</a:t>
+              <a:t>8/3/2021</a:t>
             </a:fld>
             <a:endParaRPr lang="en-US"/>
           </a:p>
@@ -673,7 +678,7 @@
           <a:p>
             <a:fld id="{0FD1F337-8F96-4DC4-A17C-29360C0B951A}" type="datetimeFigureOut">
               <a:rPr lang="en-US" smtClean="0"/>
-              <a:t>8/2/2021</a:t>
+              <a:t>8/3/2021</a:t>
             </a:fld>
             <a:endParaRPr lang="en-US"/>
           </a:p>
@@ -871,7 +876,7 @@
           <a:p>
             <a:fld id="{0FD1F337-8F96-4DC4-A17C-29360C0B951A}" type="datetimeFigureOut">
               <a:rPr lang="en-US" smtClean="0"/>
-              <a:t>8/2/2021</a:t>
+              <a:t>8/3/2021</a:t>
             </a:fld>
             <a:endParaRPr lang="en-US"/>
           </a:p>
@@ -1146,7 +1151,7 @@
           <a:p>
             <a:fld id="{0FD1F337-8F96-4DC4-A17C-29360C0B951A}" type="datetimeFigureOut">
               <a:rPr lang="en-US" smtClean="0"/>
-              <a:t>8/2/2021</a:t>
+              <a:t>8/3/2021</a:t>
             </a:fld>
             <a:endParaRPr lang="en-US"/>
           </a:p>
@@ -1411,7 +1416,7 @@
           <a:p>
             <a:fld id="{0FD1F337-8F96-4DC4-A17C-29360C0B951A}" type="datetimeFigureOut">
               <a:rPr lang="en-US" smtClean="0"/>
-              <a:t>8/2/2021</a:t>
+              <a:t>8/3/2021</a:t>
             </a:fld>
             <a:endParaRPr lang="en-US"/>
           </a:p>
@@ -1823,7 +1828,7 @@
           <a:p>
             <a:fld id="{0FD1F337-8F96-4DC4-A17C-29360C0B951A}" type="datetimeFigureOut">
               <a:rPr lang="en-US" smtClean="0"/>
-              <a:t>8/2/2021</a:t>
+              <a:t>8/3/2021</a:t>
             </a:fld>
             <a:endParaRPr lang="en-US"/>
           </a:p>
@@ -1964,7 +1969,7 @@
           <a:p>
             <a:fld id="{0FD1F337-8F96-4DC4-A17C-29360C0B951A}" type="datetimeFigureOut">
               <a:rPr lang="en-US" smtClean="0"/>
-              <a:t>8/2/2021</a:t>
+              <a:t>8/3/2021</a:t>
             </a:fld>
             <a:endParaRPr lang="en-US"/>
           </a:p>
@@ -2077,7 +2082,7 @@
           <a:p>
             <a:fld id="{0FD1F337-8F96-4DC4-A17C-29360C0B951A}" type="datetimeFigureOut">
               <a:rPr lang="en-US" smtClean="0"/>
-              <a:t>8/2/2021</a:t>
+              <a:t>8/3/2021</a:t>
             </a:fld>
             <a:endParaRPr lang="en-US"/>
           </a:p>
@@ -2388,7 +2393,7 @@
           <a:p>
             <a:fld id="{0FD1F337-8F96-4DC4-A17C-29360C0B951A}" type="datetimeFigureOut">
               <a:rPr lang="en-US" smtClean="0"/>
-              <a:t>8/2/2021</a:t>
+              <a:t>8/3/2021</a:t>
             </a:fld>
             <a:endParaRPr lang="en-US"/>
           </a:p>
@@ -2676,7 +2681,7 @@
           <a:p>
             <a:fld id="{0FD1F337-8F96-4DC4-A17C-29360C0B951A}" type="datetimeFigureOut">
               <a:rPr lang="en-US" smtClean="0"/>
-              <a:t>8/2/2021</a:t>
+              <a:t>8/3/2021</a:t>
             </a:fld>
             <a:endParaRPr lang="en-US"/>
           </a:p>
@@ -2917,7 +2922,7 @@
           <a:p>
             <a:fld id="{0FD1F337-8F96-4DC4-A17C-29360C0B951A}" type="datetimeFigureOut">
               <a:rPr lang="en-US" smtClean="0"/>
-              <a:t>8/2/2021</a:t>
+              <a:t>8/3/2021</a:t>
             </a:fld>
             <a:endParaRPr lang="en-US"/>
           </a:p>
@@ -3430,7 +3435,7 @@
         <p:spPr>
           <a:xfrm>
             <a:off x="2624312" y="5735637"/>
-            <a:ext cx="6943376" cy="954107"/>
+            <a:ext cx="7464351" cy="954107"/>
           </a:xfrm>
           <a:prstGeom prst="rect">
             <a:avLst/>
@@ -3457,11 +3462,11 @@
               <a:rPr lang="en-US" sz="1400" dirty="0">
                 <a:hlinkClick r:id="rId3"/>
               </a:rPr>
-              <a:t>https://github.com/davidtstran/haskython/blob/main/421-Project-Report-David-Tran.pdf</a:t>
+              <a:t>https://github.com/davidtstran/haskython/blob/main/CS421/421-Project-Report-David-Tran.pdf</a:t>
             </a:r>
             <a:r>
               <a:rPr lang="en-US" sz="1400" dirty="0"/>
-              <a:t> </a:t>
+              <a:t>  </a:t>
             </a:r>
           </a:p>
           <a:p>
@@ -3582,11 +3587,11 @@
               <a:rPr lang="en-US" sz="2000" dirty="0">
                 <a:hlinkClick r:id="rId2"/>
               </a:rPr>
-              <a:t>https://github.com/davidtstran/haskython/blob/main/421-Project-Report-David-Tran.pdf</a:t>
+              <a:t>https://github.com/davidtstran/haskython/blob/main/CS421/421-Project-Report-David-Tran.pdf</a:t>
             </a:r>
             <a:r>
               <a:rPr lang="en-US" sz="2000" dirty="0"/>
-              <a:t> </a:t>
+              <a:t>  </a:t>
             </a:r>
           </a:p>
           <a:p>
@@ -3737,11 +3742,11 @@
               <a:rPr lang="en-US" sz="2200" dirty="0">
                 <a:hlinkClick r:id="rId2"/>
               </a:rPr>
-              <a:t>https://github.com/davidtstran/haskython/blob/main/421-Project-Report-David-Tran.pdf</a:t>
+              <a:t>https://github.com/davidtstran/haskython/blob/main/CS421/421-Project-Report-David-Tran.pdf</a:t>
             </a:r>
             <a:r>
               <a:rPr lang="en-US" sz="2200" dirty="0"/>
-              <a:t> </a:t>
+              <a:t>  </a:t>
             </a:r>
           </a:p>
           <a:p>
@@ -3861,7 +3866,7 @@
         </p:spPr>
         <p:txBody>
           <a:bodyPr>
-            <a:normAutofit/>
+            <a:normAutofit lnSpcReduction="10000"/>
           </a:bodyPr>
           <a:lstStyle/>
           <a:p>
@@ -3885,11 +3890,11 @@
               <a:rPr lang="en-US" sz="2000" dirty="0">
                 <a:hlinkClick r:id="rId2"/>
               </a:rPr>
-              <a:t>https://github.com/davidtstran/haskython/blob/main/421-Project-Report-David-Tran.pdf</a:t>
+              <a:t>https://github.com/davidtstran/haskython/blob/main/CS421/421-Project-Report-David-Tran.pdf</a:t>
             </a:r>
             <a:r>
               <a:rPr lang="en-US" sz="2000" dirty="0"/>
-              <a:t> </a:t>
+              <a:t>  </a:t>
             </a:r>
           </a:p>
           <a:p>
@@ -4016,12 +4021,19 @@
               <a:rPr lang="en-US" sz="2000" dirty="0">
                 <a:hlinkClick r:id="rId2"/>
               </a:rPr>
-              <a:t>https://github.com/davidtstran/haskython/blob/main/421-Project-Report-David-Tran.pdf</a:t>
-            </a:r>
-            <a:r>
-              <a:rPr lang="en-US" sz="2000" dirty="0"/>
-              <a:t> </a:t>
-            </a:r>
+              <a:t>https://github.com/davidtstran/haskython/blob/main/CS421/421-Project-Report-David-Tran</a:t>
+            </a:r>
+            <a:r>
+              <a:rPr lang="en-US" sz="2000">
+                <a:hlinkClick r:id="rId2"/>
+              </a:rPr>
+              <a:t>.pdf</a:t>
+            </a:r>
+            <a:r>
+              <a:rPr lang="en-US" sz="2000"/>
+              <a:t>   </a:t>
+            </a:r>
+            <a:endParaRPr lang="en-US" sz="2000" dirty="0"/>
           </a:p>
           <a:p>
             <a:endParaRPr lang="en-US" dirty="0"/>
